--- a/slides/processes.pptx
+++ b/slides/processes.pptx
@@ -333,6 +333,11 @@
       </a:defRPr>
     </a:lvl9pPr>
   </p:defaultTextStyle>
+  <p:extLst>
+    <p:ext uri="{EFAFB233-063F-42B5-8137-9DF3F51BA10A}">
+      <p15:sldGuideLst xmlns:p15="http://schemas.microsoft.com/office/powerpoint/2012/main"/>
+    </p:ext>
+  </p:extLst>
 </p:presentation>
 </file>
 
@@ -2017,7 +2022,7 @@
         <p:spPr>
           <a:xfrm>
             <a:off x="1447799" y="3733800"/>
-            <a:ext cx="6400801" cy="1752600"/>
+            <a:ext cx="6400801" cy="2376544"/>
           </a:xfrm>
           <a:prstGeom prst="rect">
             <a:avLst/>
@@ -2038,6 +2043,7 @@
               <a:defRPr sz="2080"/>
             </a:pPr>
             <a:r>
+              <a:rPr dirty="0"/>
               <a:t>Operating Systems</a:t>
             </a:r>
           </a:p>
@@ -2051,6 +2057,7 @@
               <a:defRPr sz="2080"/>
             </a:pPr>
             <a:r>
+              <a:rPr dirty="0"/>
               <a:t>Kartik Gopalan</a:t>
             </a:r>
           </a:p>
@@ -2063,7 +2070,7 @@
               <a:buNone/>
               <a:defRPr sz="2080"/>
             </a:pPr>
-            <a:endParaRPr/>
+            <a:endParaRPr dirty="0"/>
           </a:p>
           <a:p>
             <a:pPr marL="0" indent="0" defTabSz="594359">
@@ -2077,8 +2084,51 @@
               <a:defRPr sz="1754"/>
             </a:pPr>
             <a:r>
-              <a:t>Reference: Chapter 2 of the Tanenbaum’s book </a:t>
-            </a:r>
+              <a:rPr dirty="0" smtClean="0"/>
+              <a:t>Reference</a:t>
+            </a:r>
+            <a:r>
+              <a:rPr lang="en-US" dirty="0" smtClean="0"/>
+              <a:t>s</a:t>
+            </a:r>
+            <a:r>
+              <a:rPr dirty="0" smtClean="0"/>
+              <a:t>: </a:t>
+            </a:r>
+            <a:endParaRPr lang="en-US" dirty="0" smtClean="0"/>
+          </a:p>
+          <a:p>
+            <a:pPr defTabSz="594359">
+              <a:spcBef>
+                <a:spcPts val="300"/>
+              </a:spcBef>
+              <a:buClrTx/>
+              <a:buSzTx/>
+              <a:defRPr sz="1754"/>
+            </a:pPr>
+            <a:r>
+              <a:rPr lang="en-US" dirty="0"/>
+              <a:t>Chapter 4 of OSTEP book</a:t>
+            </a:r>
+          </a:p>
+          <a:p>
+            <a:pPr defTabSz="594359">
+              <a:spcBef>
+                <a:spcPts val="300"/>
+              </a:spcBef>
+              <a:buClrTx/>
+              <a:buSzTx/>
+              <a:defRPr sz="1754"/>
+            </a:pPr>
+            <a:r>
+              <a:rPr dirty="0" smtClean="0"/>
+              <a:t>Chapter </a:t>
+            </a:r>
+            <a:r>
+              <a:rPr dirty="0"/>
+              <a:t>2 of the Tanenbaum’s book </a:t>
+            </a:r>
+            <a:endParaRPr lang="en-US" dirty="0" smtClean="0"/>
           </a:p>
         </p:txBody>
       </p:sp>
@@ -3836,7 +3886,7 @@
         </p:spPr>
         <p:txBody>
           <a:bodyPr lIns="45719" rIns="45719" anchor="ctr">
-            <a:normAutofit/>
+            <a:normAutofit lnSpcReduction="10000"/>
           </a:bodyPr>
           <a:lstStyle/>
           <a:p>
@@ -4643,7 +4693,7 @@
         </p:spPr>
         <p:txBody>
           <a:bodyPr lIns="45699" tIns="45699" rIns="45699" bIns="45699">
-            <a:normAutofit/>
+            <a:normAutofit fontScale="92500" lnSpcReduction="20000"/>
           </a:bodyPr>
           <a:lstStyle/>
           <a:p>
@@ -6540,20 +6590,35 @@
               <a:defRPr sz="2700"/>
             </a:pPr>
             <a:r>
-              <a:t>Chapter 2 of the Tanenbaum’s book </a:t>
+              <a:rPr lang="en-US" dirty="0" smtClean="0"/>
+              <a:t>Chapter 4 of OSTEP book</a:t>
             </a:r>
           </a:p>
           <a:p>
             <a:pPr>
               <a:defRPr sz="2700"/>
             </a:pPr>
-            <a:endParaRPr/>
+            <a:r>
+              <a:rPr dirty="0" smtClean="0"/>
+              <a:t>Chapter </a:t>
+            </a:r>
+            <a:r>
+              <a:rPr dirty="0"/>
+              <a:t>2 of the Tanenbaum’s book </a:t>
+            </a:r>
           </a:p>
           <a:p>
             <a:pPr>
               <a:defRPr sz="2700"/>
             </a:pPr>
-            <a:r>
+            <a:endParaRPr dirty="0"/>
+          </a:p>
+          <a:p>
+            <a:pPr>
+              <a:defRPr sz="2700"/>
+            </a:pPr>
+            <a:r>
+              <a:rPr dirty="0"/>
               <a:t>Man pages for different system calls</a:t>
             </a:r>
           </a:p>
@@ -6562,6 +6627,7 @@
               <a:defRPr sz="2700"/>
             </a:pPr>
             <a:r>
+              <a:rPr dirty="0"/>
               <a:t>Try “man 2 &lt;syscall_name&gt;”</a:t>
             </a:r>
           </a:p>
@@ -6570,6 +6636,7 @@
               <a:defRPr sz="2700"/>
             </a:pPr>
             <a:r>
+              <a:rPr dirty="0"/>
               <a:t>E.g. man 2 exec</a:t>
             </a:r>
           </a:p>
@@ -6578,6 +6645,7 @@
               <a:defRPr sz="2700"/>
             </a:pPr>
             <a:r>
+              <a:rPr dirty="0"/>
               <a:t>Syscalls are normally listed in section 2 of the man page</a:t>
             </a:r>
           </a:p>
@@ -6585,23 +6653,33 @@
             <a:pPr>
               <a:defRPr sz="2700"/>
             </a:pPr>
-            <a:endParaRPr/>
+            <a:endParaRPr dirty="0"/>
           </a:p>
           <a:p>
             <a:pPr>
               <a:defRPr sz="2700"/>
             </a:pPr>
             <a:r>
-              <a:t>Linux source code:</a:t>
-            </a:r>
-          </a:p>
-          <a:p>
-            <a:pPr lvl="1">
-              <a:defRPr sz="2700"/>
-            </a:pPr>
-            <a:r>
-              <a:t>http://lxr.linux.no/</a:t>
-            </a:r>
+              <a:rPr lang="en-US" smtClean="0"/>
+              <a:t>Google for “</a:t>
+            </a:r>
+            <a:r>
+              <a:rPr smtClean="0"/>
+              <a:t>Linux </a:t>
+            </a:r>
+            <a:r>
+              <a:rPr/>
+              <a:t>source </a:t>
+            </a:r>
+            <a:r>
+              <a:rPr smtClean="0"/>
+              <a:t>code</a:t>
+            </a:r>
+            <a:r>
+              <a:rPr lang="en-US" dirty="0"/>
+              <a:t>"</a:t>
+            </a:r>
+            <a:endParaRPr dirty="0"/>
           </a:p>
         </p:txBody>
       </p:sp>
@@ -8790,7 +8868,7 @@
         </p:spPr>
         <p:txBody>
           <a:bodyPr lIns="45699" tIns="45699" rIns="45699" bIns="45699">
-            <a:normAutofit/>
+            <a:normAutofit lnSpcReduction="10000"/>
           </a:bodyPr>
           <a:lstStyle/>
           <a:p>
@@ -9020,7 +9098,7 @@
         </p:spPr>
         <p:txBody>
           <a:bodyPr lIns="45699" tIns="45699" rIns="45699" bIns="45699">
-            <a:normAutofit/>
+            <a:normAutofit fontScale="90000"/>
           </a:bodyPr>
           <a:lstStyle>
             <a:lvl1pPr>

--- a/slides/processes.pptx
+++ b/slides/processes.pptx
@@ -3988,17 +3988,19 @@
               <a:defRPr sz="4685"/>
             </a:pPr>
             <a:r>
+              <a:rPr dirty="0"/>
               <a:t>exec() — </a:t>
             </a:r>
             <a:r>
-              <a:rPr sz="3834"/>
+              <a:rPr sz="3834" dirty="0"/>
               <a:t>Example code</a:t>
             </a:r>
             <a:r>
+              <a:rPr dirty="0"/>
               <a:t> </a:t>
             </a:r>
             <a:r>
-              <a:rPr sz="3834"/>
+              <a:rPr sz="3834" dirty="0"/>
               <a:t> exec_ex.c</a:t>
             </a:r>
           </a:p>
@@ -4007,19 +4009,68 @@
               <a:defRPr sz="2626"/>
             </a:pPr>
             <a:r>
-              <a:rPr u="sng">
+              <a:rPr lang="en-US" dirty="0">
                 <a:solidFill>
-                  <a:srgbClr val="FF0000"/>
+                  <a:schemeClr val="tx1"/>
                 </a:solidFill>
                 <a:uFill>
                   <a:solidFill>
                     <a:srgbClr val="FF0000"/>
                   </a:solidFill>
                 </a:uFill>
-                <a:hlinkClick r:id="rId2"/>
-              </a:rPr>
-              <a:t>http://www.cs.binghamton.edu/~kartik/cs350/examples/exec_ex.c</a:t>
-            </a:r>
+              </a:rPr>
+              <a:t>http://</a:t>
+            </a:r>
+            <a:r>
+              <a:rPr lang="en-US" dirty="0" err="1" smtClean="0">
+                <a:solidFill>
+                  <a:schemeClr val="tx1"/>
+                </a:solidFill>
+                <a:uFill>
+                  <a:solidFill>
+                    <a:srgbClr val="FF0000"/>
+                  </a:solidFill>
+                </a:uFill>
+              </a:rPr>
+              <a:t>oscourse.github.io</a:t>
+            </a:r>
+            <a:r>
+              <a:rPr lang="en-US" dirty="0" smtClean="0">
+                <a:solidFill>
+                  <a:schemeClr val="tx1"/>
+                </a:solidFill>
+                <a:uFill>
+                  <a:solidFill>
+                    <a:srgbClr val="FF0000"/>
+                  </a:solidFill>
+                </a:uFill>
+              </a:rPr>
+              <a:t>/</a:t>
+            </a:r>
+            <a:r>
+              <a:rPr dirty="0" smtClean="0">
+                <a:solidFill>
+                  <a:schemeClr val="tx1"/>
+                </a:solidFill>
+                <a:uFill>
+                  <a:solidFill>
+                    <a:srgbClr val="FF0000"/>
+                  </a:solidFill>
+                </a:uFill>
+              </a:rPr>
+              <a:t>examples/exec_ex.c</a:t>
+            </a:r>
+            <a:endParaRPr dirty="0">
+              <a:solidFill>
+                <a:schemeClr val="tx1"/>
+              </a:solidFill>
+              <a:uFill>
+                <a:solidFill>
+                  <a:srgbClr val="FF0000"/>
+                </a:solidFill>
+              </a:uFill>
+              <a:hlinkClick r:id="rId2"/>
+            </a:endParaRPr>
           </a:p>
         </p:txBody>
       </p:sp>
@@ -6305,6 +6356,7 @@
               <a:defRPr sz="2200"/>
             </a:pPr>
             <a:r>
+              <a:rPr dirty="0"/>
               <a:t>When a parent process dies, child process becomes an orphan process.</a:t>
             </a:r>
           </a:p>
@@ -6312,13 +6364,14 @@
             <a:pPr marL="320842" indent="-320842">
               <a:defRPr sz="2200"/>
             </a:pPr>
-            <a:endParaRPr/>
+            <a:endParaRPr dirty="0"/>
           </a:p>
           <a:p>
             <a:pPr marL="320842" indent="-320842">
               <a:defRPr sz="2200"/>
             </a:pPr>
             <a:r>
+              <a:rPr dirty="0"/>
               <a:t>The init process (pid = 1) becomes the parent of the orphan processes.</a:t>
             </a:r>
           </a:p>
@@ -6326,54 +6379,104 @@
             <a:pPr marL="320842" indent="-320842">
               <a:defRPr sz="2200"/>
             </a:pPr>
-            <a:endParaRPr/>
+            <a:endParaRPr dirty="0"/>
           </a:p>
           <a:p>
             <a:pPr marL="320842" indent="-320842">
               <a:defRPr sz="2200"/>
             </a:pPr>
             <a:r>
+              <a:rPr dirty="0"/>
               <a:t>Here’s an example:</a:t>
+            </a:r>
+          </a:p>
+          <a:p>
+            <a:pPr lvl="1">
+              <a:defRPr sz="2200"/>
+            </a:pPr>
+            <a:r>
+              <a:rPr lang="en-US" dirty="0">
+                <a:solidFill>
+                  <a:schemeClr val="tx1"/>
+                </a:solidFill>
+                <a:uFill>
+                  <a:solidFill>
+                    <a:srgbClr val="FF0000"/>
+                  </a:solidFill>
+                </a:uFill>
+              </a:rPr>
+              <a:t>http://</a:t>
+            </a:r>
+            <a:r>
+              <a:rPr lang="en-US" dirty="0" err="1" smtClean="0">
+                <a:solidFill>
+                  <a:schemeClr val="tx1"/>
+                </a:solidFill>
+                <a:uFill>
+                  <a:solidFill>
+                    <a:srgbClr val="FF0000"/>
+                  </a:solidFill>
+                </a:uFill>
+              </a:rPr>
+              <a:t>oscourse.github.io</a:t>
+            </a:r>
+            <a:r>
+              <a:rPr lang="en-US" dirty="0" smtClean="0">
+                <a:solidFill>
+                  <a:schemeClr val="tx1"/>
+                </a:solidFill>
+                <a:uFill>
+                  <a:solidFill>
+                    <a:srgbClr val="FF0000"/>
+                  </a:solidFill>
+                </a:uFill>
+              </a:rPr>
+              <a:t>/</a:t>
+            </a:r>
+            <a:r>
+              <a:rPr dirty="0" smtClean="0">
+                <a:solidFill>
+                  <a:schemeClr val="tx1"/>
+                </a:solidFill>
+              </a:rPr>
+              <a:t>examples/orphan.c</a:t>
+            </a:r>
+            <a:endParaRPr dirty="0">
+              <a:solidFill>
+                <a:schemeClr val="tx1"/>
+              </a:solidFill>
+              <a:hlinkClick r:id="rId2"/>
+            </a:endParaRPr>
+          </a:p>
+          <a:p>
+            <a:pPr lvl="1">
+              <a:defRPr sz="2200"/>
+            </a:pPr>
+            <a:endParaRPr dirty="0">
+              <a:hlinkClick r:id="rId2"/>
+            </a:endParaRPr>
+          </a:p>
+          <a:p>
+            <a:pPr lvl="1">
+              <a:defRPr sz="2200"/>
+            </a:pPr>
+            <a:r>
+              <a:rPr dirty="0"/>
+              <a:t>Do a ‘ps –l’ after running the above program and check parent’s PID of the orphan process. </a:t>
             </a:r>
           </a:p>
           <a:p>
             <a:pPr marL="320842" indent="-320842">
               <a:defRPr sz="2200"/>
             </a:pPr>
-            <a:r>
-              <a:rPr>
-                <a:hlinkClick r:id="rId2"/>
-              </a:rPr>
-              <a:t>http://www.cs.binghamton.edu/~kartik/cs350/examples/orphan.c</a:t>
-            </a:r>
+            <a:endParaRPr dirty="0"/>
           </a:p>
           <a:p>
             <a:pPr lvl="1">
               <a:defRPr sz="2200"/>
             </a:pPr>
-            <a:endParaRPr>
-              <a:hlinkClick r:id="rId2"/>
-            </a:endParaRPr>
-          </a:p>
-          <a:p>
-            <a:pPr lvl="1">
-              <a:defRPr sz="2200"/>
-            </a:pPr>
-            <a:r>
-              <a:t>Do a ‘ps –l’ after running the above program and check parent’s PID of the orphan process. </a:t>
-            </a:r>
-          </a:p>
-          <a:p>
-            <a:pPr marL="320842" indent="-320842">
-              <a:defRPr sz="2200"/>
-            </a:pPr>
-            <a:endParaRPr/>
-          </a:p>
-          <a:p>
-            <a:pPr lvl="1">
-              <a:defRPr sz="2200"/>
-            </a:pPr>
-            <a:r>
+            <a:r>
+              <a:rPr dirty="0"/>
               <a:t>After you are done remember to kill the orphan process ‘kill –9 &lt;pid&gt;’ </a:t>
             </a:r>
           </a:p>
@@ -8284,13 +8387,13 @@
           <a:lstStyle/>
           <a:p>
             <a:r>
-              <a:rPr sz="4000" u="sng"/>
+              <a:rPr sz="4000" u="sng" dirty="0"/>
               <a:t>Creating a New Process  - fork()</a:t>
             </a:r>
           </a:p>
           <a:p>
             <a:r>
-              <a:rPr sz="2800" u="sng"/>
+              <a:rPr sz="2800" u="sng" dirty="0"/>
               <a:t>Example code fork_ex.c</a:t>
             </a:r>
           </a:p>
@@ -8299,19 +8402,68 @@
               <a:defRPr sz="1900"/>
             </a:pPr>
             <a:r>
-              <a:rPr u="sng">
+              <a:rPr lang="en-US" dirty="0" smtClean="0">
                 <a:solidFill>
-                  <a:srgbClr val="FF0000"/>
+                  <a:schemeClr val="tx1"/>
                 </a:solidFill>
                 <a:uFill>
                   <a:solidFill>
                     <a:srgbClr val="FF0000"/>
                   </a:solidFill>
                 </a:uFill>
-                <a:hlinkClick r:id="rId2"/>
-              </a:rPr>
-              <a:t>http://www.cs.binghamton.edu/~kartik/cs350/examples/fork_ex.c</a:t>
-            </a:r>
+              </a:rPr>
+              <a:t>http://</a:t>
+            </a:r>
+            <a:r>
+              <a:rPr lang="en-US" dirty="0" err="1" smtClean="0">
+                <a:solidFill>
+                  <a:schemeClr val="tx1"/>
+                </a:solidFill>
+                <a:uFill>
+                  <a:solidFill>
+                    <a:srgbClr val="FF0000"/>
+                  </a:solidFill>
+                </a:uFill>
+              </a:rPr>
+              <a:t>oscourse.github.io</a:t>
+            </a:r>
+            <a:r>
+              <a:rPr lang="en-US" dirty="0" smtClean="0">
+                <a:solidFill>
+                  <a:schemeClr val="tx1"/>
+                </a:solidFill>
+                <a:uFill>
+                  <a:solidFill>
+                    <a:srgbClr val="FF0000"/>
+                  </a:solidFill>
+                </a:uFill>
+              </a:rPr>
+              <a:t>/</a:t>
+            </a:r>
+            <a:r>
+              <a:rPr dirty="0" smtClean="0">
+                <a:solidFill>
+                  <a:schemeClr val="tx1"/>
+                </a:solidFill>
+                <a:uFill>
+                  <a:solidFill>
+                    <a:srgbClr val="FF0000"/>
+                  </a:solidFill>
+                </a:uFill>
+              </a:rPr>
+              <a:t>examples/fork_ex.c</a:t>
+            </a:r>
+            <a:endParaRPr dirty="0">
+              <a:solidFill>
+                <a:schemeClr val="tx1"/>
+              </a:solidFill>
+              <a:uFill>
+                <a:solidFill>
+                  <a:srgbClr val="FF0000"/>
+                </a:solidFill>
+              </a:uFill>
+              <a:hlinkClick r:id="rId2"/>
+            </a:endParaRPr>
           </a:p>
         </p:txBody>
       </p:sp>
@@ -8352,7 +8504,7 @@
               <a:defRPr sz="1600"/>
             </a:pPr>
             <a:r>
-              <a:rPr>
+              <a:rPr dirty="0">
                 <a:latin typeface="Courier New"/>
                 <a:ea typeface="Courier New"/>
                 <a:cs typeface="Courier New"/>
@@ -8374,7 +8526,7 @@
               <a:defRPr sz="1600"/>
             </a:pPr>
             <a:r>
-              <a:rPr>
+              <a:rPr dirty="0">
                 <a:latin typeface="Courier New"/>
                 <a:ea typeface="Courier New"/>
                 <a:cs typeface="Courier New"/>
@@ -8383,7 +8535,7 @@
               <a:t>	</a:t>
             </a:r>
             <a:r>
-              <a:rPr b="1">
+              <a:rPr b="1" dirty="0">
                 <a:latin typeface="Courier New"/>
                 <a:ea typeface="Courier New"/>
                 <a:cs typeface="Courier New"/>
@@ -8392,7 +8544,7 @@
               <a:t>pid = </a:t>
             </a:r>
             <a:r>
-              <a:rPr b="1">
+              <a:rPr b="1" dirty="0">
                 <a:solidFill>
                   <a:srgbClr val="FF0000"/>
                 </a:solidFill>
@@ -8404,7 +8556,7 @@
               <a:t>fork()</a:t>
             </a:r>
             <a:r>
-              <a:rPr b="1">
+              <a:rPr b="1" dirty="0">
                 <a:latin typeface="Courier New"/>
                 <a:ea typeface="Courier New"/>
                 <a:cs typeface="Courier New"/>
@@ -8426,7 +8578,7 @@
               <a:defRPr sz="1600"/>
             </a:pPr>
             <a:r>
-              <a:rPr b="1">
+              <a:rPr b="1" dirty="0">
                 <a:latin typeface="Courier New"/>
                 <a:ea typeface="Courier New"/>
                 <a:cs typeface="Courier New"/>
@@ -8448,7 +8600,7 @@
               <a:defRPr sz="1600"/>
             </a:pPr>
             <a:r>
-              <a:rPr b="1">
+              <a:rPr b="1" dirty="0">
                 <a:latin typeface="Courier New"/>
                 <a:ea typeface="Courier New"/>
                 <a:cs typeface="Courier New"/>
@@ -8470,7 +8622,7 @@
               <a:defRPr sz="1600"/>
             </a:pPr>
             <a:r>
-              <a:rPr b="1">
+              <a:rPr b="1" dirty="0">
                 <a:latin typeface="Courier New"/>
                 <a:ea typeface="Courier New"/>
                 <a:cs typeface="Courier New"/>
@@ -8492,7 +8644,7 @@
               <a:defRPr sz="1600"/>
             </a:pPr>
             <a:r>
-              <a:rPr b="1">
+              <a:rPr b="1" dirty="0">
                 <a:latin typeface="Courier New"/>
                 <a:ea typeface="Courier New"/>
                 <a:cs typeface="Courier New"/>
@@ -8514,7 +8666,7 @@
               <a:defRPr sz="1600"/>
             </a:pPr>
             <a:r>
-              <a:rPr b="1">
+              <a:rPr b="1" dirty="0">
                 <a:latin typeface="Courier New"/>
                 <a:ea typeface="Courier New"/>
                 <a:cs typeface="Courier New"/>
@@ -8529,7 +8681,7 @@
               <a:buNone/>
               <a:defRPr sz="1600"/>
             </a:pPr>
-            <a:endParaRPr b="1"/>
+            <a:endParaRPr b="1" dirty="0"/>
           </a:p>
           <a:p>
             <a:pPr marL="0" indent="0">
@@ -8544,7 +8696,7 @@
               <a:defRPr sz="1600"/>
             </a:pPr>
             <a:r>
-              <a:rPr b="1">
+              <a:rPr b="1" dirty="0">
                 <a:latin typeface="Courier New"/>
                 <a:ea typeface="Courier New"/>
                 <a:cs typeface="Courier New"/>
@@ -8566,7 +8718,7 @@
               <a:defRPr sz="1600"/>
             </a:pPr>
             <a:r>
-              <a:rPr b="1">
+              <a:rPr b="1" dirty="0">
                 <a:latin typeface="Courier New"/>
                 <a:ea typeface="Courier New"/>
                 <a:cs typeface="Courier New"/>
@@ -8575,7 +8727,7 @@
               <a:t>		printf(“</a:t>
             </a:r>
             <a:r>
-              <a:rPr b="1">
+              <a:rPr b="1" dirty="0">
                 <a:solidFill>
                   <a:srgbClr val="0000CC"/>
                 </a:solidFill>
@@ -8587,7 +8739,7 @@
               <a:t>This is the child</a:t>
             </a:r>
             <a:r>
-              <a:rPr b="1">
+              <a:rPr b="1" dirty="0">
                 <a:latin typeface="Courier New"/>
                 <a:ea typeface="Courier New"/>
                 <a:cs typeface="Courier New"/>
@@ -8609,7 +8761,7 @@
               <a:defRPr sz="1600"/>
             </a:pPr>
             <a:r>
-              <a:rPr b="1">
+              <a:rPr b="1" dirty="0">
                 <a:latin typeface="Courier New"/>
                 <a:ea typeface="Courier New"/>
                 <a:cs typeface="Courier New"/>
@@ -8631,7 +8783,7 @@
               <a:defRPr sz="1600"/>
             </a:pPr>
             <a:r>
-              <a:rPr b="1">
+              <a:rPr b="1" dirty="0">
                 <a:latin typeface="Courier New"/>
                 <a:ea typeface="Courier New"/>
                 <a:cs typeface="Courier New"/>
@@ -8646,7 +8798,7 @@
               <a:buNone/>
               <a:defRPr sz="1600"/>
             </a:pPr>
-            <a:endParaRPr b="1"/>
+            <a:endParaRPr b="1" dirty="0"/>
           </a:p>
           <a:p>
             <a:pPr marL="0" indent="0">
@@ -8661,7 +8813,7 @@
               <a:defRPr sz="1600"/>
             </a:pPr>
             <a:r>
-              <a:rPr b="1">
+              <a:rPr b="1" dirty="0">
                 <a:latin typeface="Courier New"/>
                 <a:ea typeface="Courier New"/>
                 <a:cs typeface="Courier New"/>
@@ -8683,7 +8835,7 @@
               <a:defRPr sz="1600"/>
             </a:pPr>
             <a:r>
-              <a:rPr b="1">
+              <a:rPr b="1" dirty="0">
                 <a:latin typeface="Courier New"/>
                 <a:ea typeface="Courier New"/>
                 <a:cs typeface="Courier New"/>
@@ -8692,7 +8844,7 @@
               <a:t>		printf(“</a:t>
             </a:r>
             <a:r>
-              <a:rPr b="1">
+              <a:rPr b="1" dirty="0">
                 <a:solidFill>
                   <a:srgbClr val="FF0000"/>
                 </a:solidFill>
@@ -8704,7 +8856,7 @@
               <a:t>This is parent. The child is</a:t>
             </a:r>
             <a:r>
-              <a:rPr b="1">
+              <a:rPr b="1" dirty="0">
                 <a:latin typeface="Courier New"/>
                 <a:ea typeface="Courier New"/>
                 <a:cs typeface="Courier New"/>
@@ -8713,7 +8865,7 @@
               <a:t> </a:t>
             </a:r>
             <a:r>
-              <a:rPr b="1">
+              <a:rPr b="1" dirty="0">
                 <a:solidFill>
                   <a:srgbClr val="FF0000"/>
                 </a:solidFill>
@@ -8725,7 +8877,7 @@
               <a:t>%d\n",</a:t>
             </a:r>
             <a:r>
-              <a:rPr b="1">
+              <a:rPr b="1" dirty="0">
                 <a:latin typeface="Courier New"/>
                 <a:ea typeface="Courier New"/>
                 <a:cs typeface="Courier New"/>
@@ -8747,7 +8899,7 @@
               <a:defRPr sz="1600"/>
             </a:pPr>
             <a:r>
-              <a:rPr b="1">
+              <a:rPr b="1" dirty="0">
                 <a:latin typeface="Courier New"/>
                 <a:ea typeface="Courier New"/>
                 <a:cs typeface="Courier New"/>
@@ -8769,7 +8921,7 @@
               <a:defRPr sz="1600"/>
             </a:pPr>
             <a:r>
-              <a:rPr b="1">
+              <a:rPr b="1" dirty="0">
                 <a:latin typeface="Courier New"/>
                 <a:ea typeface="Courier New"/>
                 <a:cs typeface="Courier New"/>

--- a/slides/processes.pptx
+++ b/slides/processes.pptx
@@ -7891,7 +7891,7 @@
 </file>
 
 <file path=ppt/slides/slide5.xml><?xml version="1.0" encoding="utf-8"?>
-<p:sld xmlns:a="http://schemas.openxmlformats.org/drawingml/2006/main" xmlns:r="http://schemas.openxmlformats.org/officeDocument/2006/relationships" xmlns:p="http://schemas.openxmlformats.org/presentationml/2006/main">
+<p:sld xmlns:a="http://schemas.openxmlformats.org/drawingml/2006/main" xmlns:r="http://schemas.openxmlformats.org/officeDocument/2006/relationships" xmlns:p="http://schemas.openxmlformats.org/presentationml/2006/main" show="0">
   <p:cSld>
     <p:spTree>
       <p:nvGrpSpPr>
